--- a/Presentation/Bus Alert.pptx
+++ b/Presentation/Bus Alert.pptx
@@ -302,7 +302,7 @@
           <a:p>
             <a:fld id="{4AAD347D-5ACD-4C99-B74B-A9C85AD731AF}" type="datetimeFigureOut">
               <a:rPr lang="en-US" dirty="0"/>
-              <a:t>3/4/2014</a:t>
+              <a:t>3/5/2014</a:t>
             </a:fld>
             <a:endParaRPr lang="en-US" dirty="0"/>
           </a:p>
@@ -572,7 +572,7 @@
           <a:p>
             <a:fld id="{4509A250-FF31-4206-8172-F9D3106AACB1}" type="datetimeFigureOut">
               <a:rPr lang="en-US" dirty="0"/>
-              <a:t>3/4/2014</a:t>
+              <a:t>3/5/2014</a:t>
             </a:fld>
             <a:endParaRPr lang="en-US" dirty="0"/>
           </a:p>
@@ -761,7 +761,7 @@
           <a:p>
             <a:fld id="{4509A250-FF31-4206-8172-F9D3106AACB1}" type="datetimeFigureOut">
               <a:rPr lang="en-US" dirty="0"/>
-              <a:t>3/4/2014</a:t>
+              <a:t>3/5/2014</a:t>
             </a:fld>
             <a:endParaRPr lang="en-US" dirty="0"/>
           </a:p>
@@ -1024,7 +1024,7 @@
           <a:p>
             <a:fld id="{4509A250-FF31-4206-8172-F9D3106AACB1}" type="datetimeFigureOut">
               <a:rPr lang="en-US" dirty="0"/>
-              <a:t>3/4/2014</a:t>
+              <a:t>3/5/2014</a:t>
             </a:fld>
             <a:endParaRPr lang="en-US" dirty="0"/>
           </a:p>
@@ -1351,7 +1351,7 @@
           <a:p>
             <a:fld id="{4509A250-FF31-4206-8172-F9D3106AACB1}" type="datetimeFigureOut">
               <a:rPr lang="en-US" dirty="0"/>
-              <a:t>3/4/2014</a:t>
+              <a:t>3/5/2014</a:t>
             </a:fld>
             <a:endParaRPr lang="en-US" dirty="0"/>
           </a:p>
@@ -1956,7 +1956,7 @@
           <a:p>
             <a:fld id="{4509A250-FF31-4206-8172-F9D3106AACB1}" type="datetimeFigureOut">
               <a:rPr lang="en-US" dirty="0"/>
-              <a:t>3/4/2014</a:t>
+              <a:t>3/5/2014</a:t>
             </a:fld>
             <a:endParaRPr lang="en-US" dirty="0"/>
           </a:p>
@@ -2798,7 +2798,7 @@
           <a:p>
             <a:fld id="{4509A250-FF31-4206-8172-F9D3106AACB1}" type="datetimeFigureOut">
               <a:rPr lang="en-US" dirty="0"/>
-              <a:t>3/4/2014</a:t>
+              <a:t>3/5/2014</a:t>
             </a:fld>
             <a:endParaRPr lang="en-US" dirty="0"/>
           </a:p>
@@ -2963,7 +2963,7 @@
           <a:p>
             <a:fld id="{4509A250-FF31-4206-8172-F9D3106AACB1}" type="datetimeFigureOut">
               <a:rPr lang="en-US" dirty="0"/>
-              <a:t>3/4/2014</a:t>
+              <a:t>3/5/2014</a:t>
             </a:fld>
             <a:endParaRPr lang="en-US" dirty="0"/>
           </a:p>
@@ -3138,7 +3138,7 @@
           <a:p>
             <a:fld id="{4509A250-FF31-4206-8172-F9D3106AACB1}" type="datetimeFigureOut">
               <a:rPr lang="en-US" dirty="0"/>
-              <a:t>3/4/2014</a:t>
+              <a:t>3/5/2014</a:t>
             </a:fld>
             <a:endParaRPr lang="en-US" dirty="0"/>
           </a:p>
@@ -3303,7 +3303,7 @@
           <a:p>
             <a:fld id="{4509A250-FF31-4206-8172-F9D3106AACB1}" type="datetimeFigureOut">
               <a:rPr lang="en-US" dirty="0"/>
-              <a:t>3/4/2014</a:t>
+              <a:t>3/5/2014</a:t>
             </a:fld>
             <a:endParaRPr lang="en-US" dirty="0"/>
           </a:p>
@@ -3542,7 +3542,7 @@
           <a:p>
             <a:fld id="{9796027F-7875-4030-9381-8BD8C4F21935}" type="datetimeFigureOut">
               <a:rPr lang="en-US" dirty="0"/>
-              <a:t>3/4/2014</a:t>
+              <a:t>3/5/2014</a:t>
             </a:fld>
             <a:endParaRPr lang="en-US" dirty="0"/>
           </a:p>
@@ -3829,7 +3829,7 @@
           <a:p>
             <a:fld id="{9796027F-7875-4030-9381-8BD8C4F21935}" type="datetimeFigureOut">
               <a:rPr lang="en-US" dirty="0"/>
-              <a:t>3/4/2014</a:t>
+              <a:t>3/5/2014</a:t>
             </a:fld>
             <a:endParaRPr lang="en-US" dirty="0"/>
           </a:p>
@@ -4262,7 +4262,7 @@
           <a:p>
             <a:fld id="{9796027F-7875-4030-9381-8BD8C4F21935}" type="datetimeFigureOut">
               <a:rPr lang="en-US" dirty="0"/>
-              <a:t>3/4/2014</a:t>
+              <a:t>3/5/2014</a:t>
             </a:fld>
             <a:endParaRPr lang="en-US" dirty="0"/>
           </a:p>
@@ -4375,7 +4375,7 @@
           <a:p>
             <a:fld id="{4509A250-FF31-4206-8172-F9D3106AACB1}" type="datetimeFigureOut">
               <a:rPr lang="en-US" dirty="0"/>
-              <a:t>3/4/2014</a:t>
+              <a:t>3/5/2014</a:t>
             </a:fld>
             <a:endParaRPr lang="en-US" dirty="0"/>
           </a:p>
@@ -4465,7 +4465,7 @@
           <a:p>
             <a:fld id="{4509A250-FF31-4206-8172-F9D3106AACB1}" type="datetimeFigureOut">
               <a:rPr lang="en-US" dirty="0"/>
-              <a:t>3/4/2014</a:t>
+              <a:t>3/5/2014</a:t>
             </a:fld>
             <a:endParaRPr lang="en-US" dirty="0"/>
           </a:p>
@@ -4739,7 +4739,7 @@
           <a:p>
             <a:fld id="{4509A250-FF31-4206-8172-F9D3106AACB1}" type="datetimeFigureOut">
               <a:rPr lang="en-US" dirty="0"/>
-              <a:t>3/4/2014</a:t>
+              <a:t>3/5/2014</a:t>
             </a:fld>
             <a:endParaRPr lang="en-US" dirty="0"/>
           </a:p>
@@ -5009,7 +5009,7 @@
           <a:p>
             <a:fld id="{4509A250-FF31-4206-8172-F9D3106AACB1}" type="datetimeFigureOut">
               <a:rPr lang="en-US" dirty="0"/>
-              <a:t>3/4/2014</a:t>
+              <a:t>3/5/2014</a:t>
             </a:fld>
             <a:endParaRPr lang="en-US" dirty="0"/>
           </a:p>
@@ -5433,7 +5433,7 @@
           <a:p>
             <a:fld id="{4AAD347D-5ACD-4C99-B74B-A9C85AD731AF}" type="datetimeFigureOut">
               <a:rPr lang="en-US" dirty="0"/>
-              <a:t>3/4/2014</a:t>
+              <a:t>3/5/2014</a:t>
             </a:fld>
             <a:endParaRPr lang="en-US" dirty="0"/>
           </a:p>
@@ -5970,15 +5970,7 @@
           <a:p>
             <a:r>
               <a:rPr lang="en-US" dirty="0" smtClean="0"/>
-              <a:t>David </a:t>
-            </a:r>
-            <a:r>
-              <a:rPr lang="en-US" dirty="0" smtClean="0"/>
-              <a:t>Pennington</a:t>
-            </a:r>
-            <a:r>
-              <a:rPr lang="en-US" dirty="0" smtClean="0"/>
-              <a:t>, Alex Henry, Robert Burrus</a:t>
+              <a:t>David Pennington, Alex Henry, Robert Burrus</a:t>
             </a:r>
             <a:endParaRPr lang="en-US" dirty="0"/>
           </a:p>
@@ -6962,8 +6954,8 @@
         </p:blipFill>
         <p:spPr bwMode="auto">
           <a:xfrm>
-            <a:off x="9273526" y="2933632"/>
-            <a:ext cx="1934583" cy="1934583"/>
+            <a:off x="7663667" y="1723018"/>
+            <a:ext cx="4004592" cy="4004592"/>
           </a:xfrm>
           <a:prstGeom prst="rect">
             <a:avLst/>
@@ -7317,8 +7309,13 @@
           <a:p>
             <a:r>
               <a:rPr lang="en-US" sz="2800" dirty="0" smtClean="0"/>
-              <a:t>Languages: Java, Objective-C</a:t>
-            </a:r>
+              <a:t>Languages: Java, </a:t>
+            </a:r>
+            <a:r>
+              <a:rPr lang="en-US" sz="2800" dirty="0" smtClean="0"/>
+              <a:t>Objective-C, XML</a:t>
+            </a:r>
+            <a:endParaRPr lang="en-US" sz="2800" dirty="0" smtClean="0"/>
           </a:p>
           <a:p>
             <a:endParaRPr lang="en-US" sz="2800" dirty="0"/>
@@ -7755,7 +7752,7 @@
   <a:extraClrSchemeLst/>
   <a:extLst>
     <a:ext uri="{05A4C25C-085E-4340-85A3-A5531E510DB2}">
-      <thm15:themeFamily xmlns:thm15="http://schemas.microsoft.com/office/thememl/2012/main" xmlns="" name="Ion" id="{B8441ADB-2E43-4AF7-B97A-BD870242C6A8}" vid="{5A2F9111-B2DB-470C-BA56-608F9B658826}"/>
+      <thm15:themeFamily xmlns="" xmlns:thm15="http://schemas.microsoft.com/office/thememl/2012/main" name="Ion" id="{B8441ADB-2E43-4AF7-B97A-BD870242C6A8}" vid="{5A2F9111-B2DB-470C-BA56-608F9B658826}"/>
     </a:ext>
   </a:extLst>
 </a:theme>
